--- a/Stakeholder_Presentation.pptx
+++ b/Stakeholder_Presentation.pptx
@@ -5,20 +5,21 @@
     <p:sldMasterId id="2147483648" r:id="rId1"/>
   </p:sldMasterIdLst>
   <p:notesMasterIdLst>
-    <p:notesMasterId r:id="rId13"/>
+    <p:notesMasterId r:id="rId14"/>
   </p:notesMasterIdLst>
   <p:sldIdLst>
     <p:sldId id="257" r:id="rId2"/>
-    <p:sldId id="288" r:id="rId3"/>
-    <p:sldId id="300" r:id="rId4"/>
-    <p:sldId id="290" r:id="rId5"/>
-    <p:sldId id="301" r:id="rId6"/>
-    <p:sldId id="292" r:id="rId7"/>
-    <p:sldId id="297" r:id="rId8"/>
+    <p:sldId id="300" r:id="rId3"/>
+    <p:sldId id="290" r:id="rId4"/>
+    <p:sldId id="301" r:id="rId5"/>
+    <p:sldId id="292" r:id="rId6"/>
+    <p:sldId id="297" r:id="rId7"/>
+    <p:sldId id="303" r:id="rId8"/>
     <p:sldId id="293" r:id="rId9"/>
     <p:sldId id="294" r:id="rId10"/>
     <p:sldId id="302" r:id="rId11"/>
     <p:sldId id="291" r:id="rId12"/>
+    <p:sldId id="288" r:id="rId13"/>
   </p:sldIdLst>
   <p:sldSz cx="12192000" cy="6858000"/>
   <p:notesSz cx="6858000" cy="9144000"/>
@@ -218,7 +219,7 @@
           <a:p>
             <a:fld id="{EA61E9F5-9EA6-C840-8C27-3D9F4280C79C}" type="datetimeFigureOut">
               <a:rPr lang="en-US" smtClean="0"/>
-              <a:t>7/4/23</a:t>
+              <a:t>7/5/23</a:t>
             </a:fld>
             <a:endParaRPr lang="en-US"/>
           </a:p>
@@ -531,19 +532,19 @@
           <a:p>
             <a:r>
               <a:rPr lang="en-US" dirty="0"/>
-              <a:t>TALK ABOUT THE BUSINESS PROBLEM</a:t>
+              <a:t>WHAT DOES CDOT WANT TO ACCOMPLISH?</a:t>
             </a:r>
           </a:p>
           <a:p>
             <a:r>
               <a:rPr lang="en-US" dirty="0"/>
-              <a:t>VISION ZERO</a:t>
+              <a:t>UNABLE TO DETERMINE</a:t>
             </a:r>
           </a:p>
           <a:p>
             <a:r>
               <a:rPr lang="en-US" dirty="0"/>
-              <a:t>WHY IS VISION ZERO IMPORTANT</a:t>
+              <a:t>TOP 10 THINGS THAT CONTRIBUTE TO CRASHES</a:t>
             </a:r>
           </a:p>
         </p:txBody>
@@ -566,6 +567,105 @@
             <a:fld id="{D80C23F6-912A-4B35-8893-48FD4F0CB91B}" type="slidenum">
               <a:rPr lang="en-US" smtClean="0"/>
               <a:t>2</a:t>
+            </a:fld>
+            <a:endParaRPr lang="en-US"/>
+          </a:p>
+        </p:txBody>
+      </p:sp>
+    </p:spTree>
+    <p:extLst>
+      <p:ext uri="{BB962C8B-B14F-4D97-AF65-F5344CB8AC3E}">
+        <p14:creationId xmlns:p14="http://schemas.microsoft.com/office/powerpoint/2010/main" val="2397939733"/>
+      </p:ext>
+    </p:extLst>
+  </p:cSld>
+  <p:clrMapOvr>
+    <a:masterClrMapping/>
+  </p:clrMapOvr>
+</p:notes>
+</file>
+
+<file path=ppt/notesSlides/notesSlide10.xml><?xml version="1.0" encoding="utf-8"?>
+<p:notes xmlns:a="http://schemas.openxmlformats.org/drawingml/2006/main" xmlns:r="http://schemas.openxmlformats.org/officeDocument/2006/relationships" xmlns:p="http://schemas.openxmlformats.org/presentationml/2006/main">
+  <p:cSld>
+    <p:spTree>
+      <p:nvGrpSpPr>
+        <p:cNvPr id="1" name=""/>
+        <p:cNvGrpSpPr/>
+        <p:nvPr/>
+      </p:nvGrpSpPr>
+      <p:grpSpPr>
+        <a:xfrm>
+          <a:off x="0" y="0"/>
+          <a:ext cx="0" cy="0"/>
+          <a:chOff x="0" y="0"/>
+          <a:chExt cx="0" cy="0"/>
+        </a:xfrm>
+      </p:grpSpPr>
+      <p:sp>
+        <p:nvSpPr>
+          <p:cNvPr id="2" name="Slide Image Placeholder 1"/>
+          <p:cNvSpPr>
+            <a:spLocks noGrp="1" noRot="1" noChangeAspect="1"/>
+          </p:cNvSpPr>
+          <p:nvPr>
+            <p:ph type="sldImg"/>
+          </p:nvPr>
+        </p:nvSpPr>
+        <p:spPr/>
+      </p:sp>
+      <p:sp>
+        <p:nvSpPr>
+          <p:cNvPr id="3" name="Notes Placeholder 2"/>
+          <p:cNvSpPr>
+            <a:spLocks noGrp="1"/>
+          </p:cNvSpPr>
+          <p:nvPr>
+            <p:ph type="body" idx="1"/>
+          </p:nvPr>
+        </p:nvSpPr>
+        <p:spPr/>
+        <p:txBody>
+          <a:bodyPr/>
+          <a:lstStyle/>
+          <a:p>
+            <a:r>
+              <a:rPr lang="en-US" dirty="0"/>
+              <a:t>TALK ABOUT THE BUSINESS PROBLEM</a:t>
+            </a:r>
+          </a:p>
+          <a:p>
+            <a:r>
+              <a:rPr lang="en-US" dirty="0"/>
+              <a:t>VISION ZERO</a:t>
+            </a:r>
+          </a:p>
+          <a:p>
+            <a:r>
+              <a:rPr lang="en-US" dirty="0"/>
+              <a:t>WHY IS VISION ZERO IMPORTANT</a:t>
+            </a:r>
+          </a:p>
+        </p:txBody>
+      </p:sp>
+      <p:sp>
+        <p:nvSpPr>
+          <p:cNvPr id="4" name="Slide Number Placeholder 3"/>
+          <p:cNvSpPr>
+            <a:spLocks noGrp="1"/>
+          </p:cNvSpPr>
+          <p:nvPr>
+            <p:ph type="sldNum" sz="quarter" idx="5"/>
+          </p:nvPr>
+        </p:nvSpPr>
+        <p:spPr/>
+        <p:txBody>
+          <a:bodyPr/>
+          <a:lstStyle/>
+          <a:p>
+            <a:fld id="{D80C23F6-912A-4B35-8893-48FD4F0CB91B}" type="slidenum">
+              <a:rPr lang="en-US" smtClean="0"/>
+              <a:t>12</a:t>
             </a:fld>
             <a:endParaRPr lang="en-US"/>
           </a:p>
@@ -630,19 +730,34 @@
           <a:p>
             <a:r>
               <a:rPr lang="en-US" dirty="0"/>
-              <a:t>WHAT DOES CDOT WANT TO ACCOMPLISH?</a:t>
-            </a:r>
+              <a:t>HOW WILL WE ACCOMPLISH THIS?</a:t>
+            </a:r>
+          </a:p>
+          <a:p>
+            <a:endParaRPr lang="en-US" dirty="0"/>
           </a:p>
           <a:p>
             <a:r>
               <a:rPr lang="en-US" dirty="0"/>
-              <a:t>UNABLE TO DETERMINE</a:t>
+              <a:t>DATABASE</a:t>
             </a:r>
           </a:p>
           <a:p>
             <a:r>
               <a:rPr lang="en-US" dirty="0"/>
-              <a:t>TOP 10 THINGS THAT CONTRIBUTE TO CRASHES</a:t>
+              <a:t>CLEANING/PROESSING</a:t>
+            </a:r>
+          </a:p>
+          <a:p>
+            <a:r>
+              <a:rPr lang="en-US" dirty="0"/>
+              <a:t>MODELLING</a:t>
+            </a:r>
+          </a:p>
+          <a:p>
+            <a:r>
+              <a:rPr lang="en-US" dirty="0"/>
+              <a:t>TOP 10 FEATURES AND A MODEL</a:t>
             </a:r>
           </a:p>
         </p:txBody>
@@ -673,7 +788,7 @@
     </p:spTree>
     <p:extLst>
       <p:ext uri="{BB962C8B-B14F-4D97-AF65-F5344CB8AC3E}">
-        <p14:creationId xmlns:p14="http://schemas.microsoft.com/office/powerpoint/2010/main" val="2397939733"/>
+        <p14:creationId xmlns:p14="http://schemas.microsoft.com/office/powerpoint/2010/main" val="2987458070"/>
       </p:ext>
     </p:extLst>
   </p:cSld>
@@ -787,7 +902,7 @@
     </p:spTree>
     <p:extLst>
       <p:ext uri="{BB962C8B-B14F-4D97-AF65-F5344CB8AC3E}">
-        <p14:creationId xmlns:p14="http://schemas.microsoft.com/office/powerpoint/2010/main" val="2987458070"/>
+        <p14:creationId xmlns:p14="http://schemas.microsoft.com/office/powerpoint/2010/main" val="3231801798"/>
       </p:ext>
     </p:extLst>
   </p:cSld>
@@ -842,36 +957,79 @@
           <a:lstStyle/>
           <a:p>
             <a:r>
-              <a:rPr lang="en-US" dirty="0"/>
-              <a:t>HOW WILL WE ACCOMPLISH THIS?</a:t>
-            </a:r>
-          </a:p>
-          <a:p>
+              <a:rPr lang="en-US" b="0" i="0" dirty="0">
+                <a:solidFill>
+                  <a:srgbClr val="D1D5DB"/>
+                </a:solidFill>
+                <a:effectLst/>
+                <a:latin typeface="Söhne"/>
+              </a:rPr>
+              <a:t>RMSE is crucial for a book recommendation system as it measures the accuracy of predicted ratings, ensuring that users receive highly relevant and personalized book recommendations.</a:t>
+            </a:r>
+          </a:p>
+          <a:p>
+            <a:endParaRPr lang="en-US" b="0" i="0" dirty="0">
+              <a:solidFill>
+                <a:srgbClr val="D1D5DB"/>
+              </a:solidFill>
+              <a:effectLst/>
+              <a:latin typeface="Söhne"/>
+            </a:endParaRPr>
+          </a:p>
+          <a:p>
+            <a:r>
+              <a:rPr lang="en-US" b="0" i="0" dirty="0">
+                <a:solidFill>
+                  <a:srgbClr val="D1D5DB"/>
+                </a:solidFill>
+                <a:effectLst/>
+                <a:latin typeface="Söhne"/>
+              </a:rPr>
+              <a:t>MAE (Mean Absolute Error) is relevant for a book recommendation system as it quantifies the average magnitude of the prediction errors, providing insight into the system's overall accuracy and the level of deviation from users' actual preferences.</a:t>
+            </a:r>
+          </a:p>
+          <a:p>
+            <a:endParaRPr lang="en-US" b="0" i="0" dirty="0">
+              <a:solidFill>
+                <a:srgbClr val="D1D5DB"/>
+              </a:solidFill>
+              <a:effectLst/>
+              <a:latin typeface="Söhne"/>
+            </a:endParaRPr>
+          </a:p>
+          <a:p>
+            <a:r>
+              <a:rPr lang="en-US" b="0" i="0" dirty="0">
+                <a:solidFill>
+                  <a:srgbClr val="D1D5DB"/>
+                </a:solidFill>
+                <a:effectLst/>
+                <a:latin typeface="Söhne"/>
+              </a:rPr>
+              <a:t>MSE (Mean Squared Error) is relevant for a book recommendation system as it measures the average squared difference between predicted and actual ratings, allowing for a comprehensive evaluation of the system's predictive performance and highlighting the impact of large errors.</a:t>
+            </a:r>
+          </a:p>
+          <a:p>
+            <a:endParaRPr lang="en-US" b="0" i="0" dirty="0">
+              <a:solidFill>
+                <a:srgbClr val="D1D5DB"/>
+              </a:solidFill>
+              <a:effectLst/>
+              <a:latin typeface="Söhne"/>
+            </a:endParaRPr>
+          </a:p>
+          <a:p>
+            <a:r>
+              <a:rPr lang="en-US" b="0" i="0" dirty="0">
+                <a:solidFill>
+                  <a:srgbClr val="D1D5DB"/>
+                </a:solidFill>
+                <a:effectLst/>
+                <a:latin typeface="Söhne"/>
+              </a:rPr>
+              <a:t>FCP (Fraction of Concordant Pairs) is relevant for a book recommendation system as it assesses the system's ability to correctly rank and compare book pairs based on user preferences, providing a measure of the system's ranking accuracy and user satisfaction.</a:t>
+            </a:r>
             <a:endParaRPr lang="en-US" dirty="0"/>
-          </a:p>
-          <a:p>
-            <a:r>
-              <a:rPr lang="en-US" dirty="0"/>
-              <a:t>DATABASE</a:t>
-            </a:r>
-          </a:p>
-          <a:p>
-            <a:r>
-              <a:rPr lang="en-US" dirty="0"/>
-              <a:t>CLEANING/PROESSING</a:t>
-            </a:r>
-          </a:p>
-          <a:p>
-            <a:r>
-              <a:rPr lang="en-US" dirty="0"/>
-              <a:t>MODELLING</a:t>
-            </a:r>
-          </a:p>
-          <a:p>
-            <a:r>
-              <a:rPr lang="en-US" dirty="0"/>
-              <a:t>TOP 10 FEATURES AND A MODEL</a:t>
-            </a:r>
           </a:p>
         </p:txBody>
       </p:sp>
@@ -901,7 +1059,7 @@
     </p:spTree>
     <p:extLst>
       <p:ext uri="{BB962C8B-B14F-4D97-AF65-F5344CB8AC3E}">
-        <p14:creationId xmlns:p14="http://schemas.microsoft.com/office/powerpoint/2010/main" val="3231801798"/>
+        <p14:creationId xmlns:p14="http://schemas.microsoft.com/office/powerpoint/2010/main" val="999802475"/>
       </p:ext>
     </p:extLst>
   </p:cSld>
@@ -956,78 +1114,77 @@
           <a:lstStyle/>
           <a:p>
             <a:r>
-              <a:rPr lang="en-US" b="0" i="0" dirty="0">
-                <a:solidFill>
-                  <a:srgbClr val="D1D5DB"/>
-                </a:solidFill>
-                <a:effectLst/>
-                <a:latin typeface="Söhne"/>
-              </a:rPr>
-              <a:t>RMSE is crucial for a book recommendation system as it measures the accuracy of predicted ratings, ensuring that users receive highly relevant and personalized book recommendations.</a:t>
-            </a:r>
-          </a:p>
-          <a:p>
-            <a:endParaRPr lang="en-US" b="0" i="0" dirty="0">
-              <a:solidFill>
-                <a:srgbClr val="D1D5DB"/>
-              </a:solidFill>
-              <a:effectLst/>
-              <a:latin typeface="Söhne"/>
-            </a:endParaRPr>
-          </a:p>
-          <a:p>
-            <a:r>
-              <a:rPr lang="en-US" b="0" i="0" dirty="0">
-                <a:solidFill>
-                  <a:srgbClr val="D1D5DB"/>
-                </a:solidFill>
-                <a:effectLst/>
-                <a:latin typeface="Söhne"/>
-              </a:rPr>
-              <a:t>MAE (Mean Absolute Error) is relevant for a book recommendation system as it quantifies the average magnitude of the prediction errors, providing insight into the system's overall accuracy and the level of deviation from users' actual preferences.</a:t>
-            </a:r>
-          </a:p>
-          <a:p>
-            <a:endParaRPr lang="en-US" b="0" i="0" dirty="0">
-              <a:solidFill>
-                <a:srgbClr val="D1D5DB"/>
-              </a:solidFill>
-              <a:effectLst/>
-              <a:latin typeface="Söhne"/>
-            </a:endParaRPr>
-          </a:p>
-          <a:p>
-            <a:r>
-              <a:rPr lang="en-US" b="0" i="0" dirty="0">
-                <a:solidFill>
-                  <a:srgbClr val="D1D5DB"/>
-                </a:solidFill>
-                <a:effectLst/>
-                <a:latin typeface="Söhne"/>
-              </a:rPr>
-              <a:t>MSE (Mean Squared Error) is relevant for a book recommendation system as it measures the average squared difference between predicted and actual ratings, allowing for a comprehensive evaluation of the system's predictive performance and highlighting the impact of large errors.</a:t>
-            </a:r>
-          </a:p>
-          <a:p>
-            <a:endParaRPr lang="en-US" b="0" i="0" dirty="0">
-              <a:solidFill>
-                <a:srgbClr val="D1D5DB"/>
-              </a:solidFill>
-              <a:effectLst/>
-              <a:latin typeface="Söhne"/>
-            </a:endParaRPr>
-          </a:p>
-          <a:p>
-            <a:r>
-              <a:rPr lang="en-US" b="0" i="0" dirty="0">
-                <a:solidFill>
-                  <a:srgbClr val="D1D5DB"/>
-                </a:solidFill>
-                <a:effectLst/>
-                <a:latin typeface="Söhne"/>
-              </a:rPr>
-              <a:t>FCP (Fraction of Concordant Pairs) is relevant for a book recommendation system as it assesses the system's ability to correctly rank and compare book pairs based on user preferences, providing a measure of the system's ranking accuracy and user satisfaction.</a:t>
-            </a:r>
+              <a:rPr lang="en-US" dirty="0"/>
+              <a:t>LOCATION BASED:</a:t>
+            </a:r>
+          </a:p>
+          <a:p>
+            <a:r>
+              <a:rPr lang="en-US" b="1" dirty="0"/>
+              <a:t>Latitude, longitude, Intersection</a:t>
+            </a:r>
+          </a:p>
+          <a:p>
+            <a:endParaRPr lang="en-US" b="1" dirty="0"/>
+          </a:p>
+          <a:p>
+            <a:r>
+              <a:rPr lang="en-US" b="1" dirty="0"/>
+              <a:t>Driver Based:</a:t>
+            </a:r>
+          </a:p>
+          <a:p>
+            <a:r>
+              <a:rPr lang="en-US" b="1" dirty="0" err="1"/>
+              <a:t>Driver_Action</a:t>
+            </a:r>
+            <a:r>
+              <a:rPr lang="en-US" b="1" dirty="0"/>
+              <a:t>, </a:t>
+            </a:r>
+            <a:r>
+              <a:rPr lang="en-US" b="1" dirty="0" err="1"/>
+              <a:t>Physicial</a:t>
+            </a:r>
+            <a:r>
+              <a:rPr lang="en-US" b="1" dirty="0"/>
+              <a:t> Condition, Maneuver</a:t>
+            </a:r>
+          </a:p>
+          <a:p>
+            <a:endParaRPr lang="en-US" b="1" dirty="0"/>
+          </a:p>
+          <a:p>
+            <a:r>
+              <a:rPr lang="en-US" b="1" dirty="0"/>
+              <a:t>Traffic based: </a:t>
+            </a:r>
+          </a:p>
+          <a:p>
+            <a:r>
+              <a:rPr lang="en-US" b="1" dirty="0"/>
+              <a:t>First Contact Point, Num of units, Device Condition</a:t>
+            </a:r>
+          </a:p>
+          <a:p>
+            <a:endParaRPr lang="en-US" b="1" dirty="0"/>
+          </a:p>
+          <a:p>
+            <a:r>
+              <a:rPr lang="en-US" b="1" dirty="0"/>
+              <a:t>Nature based:</a:t>
+            </a:r>
+          </a:p>
+          <a:p>
+            <a:r>
+              <a:rPr lang="en-US" b="1" dirty="0"/>
+              <a:t>Weather Condition</a:t>
+            </a:r>
+          </a:p>
+          <a:p>
+            <a:endParaRPr lang="en-US" b="1" dirty="0"/>
+          </a:p>
+          <a:p>
             <a:endParaRPr lang="en-US" dirty="0"/>
           </a:p>
         </p:txBody>
@@ -1058,7 +1215,7 @@
     </p:spTree>
     <p:extLst>
       <p:ext uri="{BB962C8B-B14F-4D97-AF65-F5344CB8AC3E}">
-        <p14:creationId xmlns:p14="http://schemas.microsoft.com/office/powerpoint/2010/main" val="999802475"/>
+        <p14:creationId xmlns:p14="http://schemas.microsoft.com/office/powerpoint/2010/main" val="3534870015"/>
       </p:ext>
     </p:extLst>
   </p:cSld>
@@ -1114,70 +1271,22 @@
           <a:p>
             <a:r>
               <a:rPr lang="en-US" dirty="0"/>
-              <a:t>LOCATION BASED:</a:t>
-            </a:r>
+              <a:t>RECOMMENDATIONS</a:t>
+            </a:r>
+          </a:p>
+          <a:p>
+            <a:endParaRPr lang="en-US" b="1" dirty="0"/>
           </a:p>
           <a:p>
             <a:r>
               <a:rPr lang="en-US" b="1" dirty="0"/>
-              <a:t>Latitude, longitude, Intersection</a:t>
-            </a:r>
-          </a:p>
-          <a:p>
-            <a:endParaRPr lang="en-US" b="1" dirty="0"/>
+              <a:t>IMPROVEMENTS</a:t>
+            </a:r>
           </a:p>
           <a:p>
             <a:r>
               <a:rPr lang="en-US" b="1" dirty="0"/>
-              <a:t>Driver Based:</a:t>
-            </a:r>
-          </a:p>
-          <a:p>
-            <a:r>
-              <a:rPr lang="en-US" b="1" dirty="0" err="1"/>
-              <a:t>Driver_Action</a:t>
-            </a:r>
-            <a:r>
-              <a:rPr lang="en-US" b="1" dirty="0"/>
-              <a:t>, </a:t>
-            </a:r>
-            <a:r>
-              <a:rPr lang="en-US" b="1" dirty="0" err="1"/>
-              <a:t>Physicial</a:t>
-            </a:r>
-            <a:r>
-              <a:rPr lang="en-US" b="1" dirty="0"/>
-              <a:t> Condition, Maneuver</a:t>
-            </a:r>
-          </a:p>
-          <a:p>
-            <a:endParaRPr lang="en-US" b="1" dirty="0"/>
-          </a:p>
-          <a:p>
-            <a:r>
-              <a:rPr lang="en-US" b="1" dirty="0"/>
-              <a:t>Traffic based: </a:t>
-            </a:r>
-          </a:p>
-          <a:p>
-            <a:r>
-              <a:rPr lang="en-US" b="1" dirty="0"/>
-              <a:t>First Contact Point, Num of units, Device Condition</a:t>
-            </a:r>
-          </a:p>
-          <a:p>
-            <a:endParaRPr lang="en-US" b="1" dirty="0"/>
-          </a:p>
-          <a:p>
-            <a:r>
-              <a:rPr lang="en-US" b="1" dirty="0"/>
-              <a:t>Nature based:</a:t>
-            </a:r>
-          </a:p>
-          <a:p>
-            <a:r>
-              <a:rPr lang="en-US" b="1" dirty="0"/>
-              <a:t>Weather Condition</a:t>
+              <a:t>NEXT STEPS</a:t>
             </a:r>
           </a:p>
           <a:p>
@@ -1214,7 +1323,7 @@
     </p:spTree>
     <p:extLst>
       <p:ext uri="{BB962C8B-B14F-4D97-AF65-F5344CB8AC3E}">
-        <p14:creationId xmlns:p14="http://schemas.microsoft.com/office/powerpoint/2010/main" val="3534870015"/>
+        <p14:creationId xmlns:p14="http://schemas.microsoft.com/office/powerpoint/2010/main" val="400807603"/>
       </p:ext>
     </p:extLst>
   </p:cSld>
@@ -5936,7 +6045,7 @@
 </p:sld>
 </file>
 
-<file path=ppt/slides/slide2.xml><?xml version="1.0" encoding="utf-8"?>
+<file path=ppt/slides/slide12.xml><?xml version="1.0" encoding="utf-8"?>
 <p:sld xmlns:a="http://schemas.openxmlformats.org/drawingml/2006/main" xmlns:r="http://schemas.openxmlformats.org/officeDocument/2006/relationships" xmlns:p="http://schemas.openxmlformats.org/presentationml/2006/main">
   <p:cSld>
     <p:spTree>
@@ -6148,7 +6257,7 @@
           <a:p>
             <a:fld id="{A2335344-E137-4E37-AA49-325239A09CBE}" type="slidenum">
               <a:rPr lang="en-US" smtClean="0"/>
-              <a:t>2</a:t>
+              <a:t>12</a:t>
             </a:fld>
             <a:endParaRPr lang="en-US"/>
           </a:p>
@@ -6502,7 +6611,7 @@
 </p:sld>
 </file>
 
-<file path=ppt/slides/slide3.xml><?xml version="1.0" encoding="utf-8"?>
+<file path=ppt/slides/slide2.xml><?xml version="1.0" encoding="utf-8"?>
 <p:sld xmlns:a="http://schemas.openxmlformats.org/drawingml/2006/main" xmlns:r="http://schemas.openxmlformats.org/officeDocument/2006/relationships" xmlns:p="http://schemas.openxmlformats.org/presentationml/2006/main">
   <p:cSld>
     <p:spTree>
@@ -6758,7 +6867,7 @@
           <a:p>
             <a:fld id="{A2335344-E137-4E37-AA49-325239A09CBE}" type="slidenum">
               <a:rPr lang="en-US" smtClean="0"/>
-              <a:t>3</a:t>
+              <a:t>2</a:t>
             </a:fld>
             <a:endParaRPr lang="en-US"/>
           </a:p>
@@ -7318,7 +7427,7 @@
 </p:sld>
 </file>
 
-<file path=ppt/slides/slide4.xml><?xml version="1.0" encoding="utf-8"?>
+<file path=ppt/slides/slide3.xml><?xml version="1.0" encoding="utf-8"?>
 <p:sld xmlns:a="http://schemas.openxmlformats.org/drawingml/2006/main" xmlns:r="http://schemas.openxmlformats.org/officeDocument/2006/relationships" xmlns:p="http://schemas.openxmlformats.org/presentationml/2006/main">
   <p:cSld>
     <p:spTree>
@@ -7529,7 +7638,7 @@
           <a:p>
             <a:fld id="{A2335344-E137-4E37-AA49-325239A09CBE}" type="slidenum">
               <a:rPr lang="en-US" smtClean="0"/>
-              <a:t>4</a:t>
+              <a:t>3</a:t>
             </a:fld>
             <a:endParaRPr lang="en-US"/>
           </a:p>
@@ -8175,7 +8284,7 @@
 </p:sld>
 </file>
 
-<file path=ppt/slides/slide5.xml><?xml version="1.0" encoding="utf-8"?>
+<file path=ppt/slides/slide4.xml><?xml version="1.0" encoding="utf-8"?>
 <p:sld xmlns:a="http://schemas.openxmlformats.org/drawingml/2006/main" xmlns:r="http://schemas.openxmlformats.org/officeDocument/2006/relationships" xmlns:p="http://schemas.openxmlformats.org/presentationml/2006/main">
   <p:cSld>
     <p:spTree>
@@ -8386,7 +8495,7 @@
           <a:p>
             <a:fld id="{A2335344-E137-4E37-AA49-325239A09CBE}" type="slidenum">
               <a:rPr lang="en-US" smtClean="0"/>
-              <a:t>5</a:t>
+              <a:t>4</a:t>
             </a:fld>
             <a:endParaRPr lang="en-US"/>
           </a:p>
@@ -8899,7 +9008,7 @@
 </p:sld>
 </file>
 
-<file path=ppt/slides/slide6.xml><?xml version="1.0" encoding="utf-8"?>
+<file path=ppt/slides/slide5.xml><?xml version="1.0" encoding="utf-8"?>
 <p:sld xmlns:a="http://schemas.openxmlformats.org/drawingml/2006/main" xmlns:r="http://schemas.openxmlformats.org/officeDocument/2006/relationships" xmlns:p="http://schemas.openxmlformats.org/presentationml/2006/main">
   <p:cSld>
     <p:spTree>
@@ -9110,7 +9219,7 @@
           <a:p>
             <a:fld id="{A2335344-E137-4E37-AA49-325239A09CBE}" type="slidenum">
               <a:rPr lang="en-US" smtClean="0"/>
-              <a:t>6</a:t>
+              <a:t>5</a:t>
             </a:fld>
             <a:endParaRPr lang="en-US"/>
           </a:p>
@@ -11307,7 +11416,7 @@
 </p:sld>
 </file>
 
-<file path=ppt/slides/slide7.xml><?xml version="1.0" encoding="utf-8"?>
+<file path=ppt/slides/slide6.xml><?xml version="1.0" encoding="utf-8"?>
 <p:sld xmlns:a="http://schemas.openxmlformats.org/drawingml/2006/main" xmlns:r="http://schemas.openxmlformats.org/officeDocument/2006/relationships" xmlns:p="http://schemas.openxmlformats.org/presentationml/2006/main">
   <p:cSld>
     <p:spTree>
@@ -11485,7 +11594,7 @@
           <a:p>
             <a:r>
               <a:rPr lang="en-US" sz="4000" b="1" dirty="0"/>
-              <a:t>RECOMMENDATION RESULTS</a:t>
+              <a:t>RECOMMENDATION SYSTEM RESULTS</a:t>
             </a:r>
           </a:p>
         </p:txBody>
@@ -11518,7 +11627,7 @@
           <a:p>
             <a:fld id="{A2335344-E137-4E37-AA49-325239A09CBE}" type="slidenum">
               <a:rPr lang="en-US" smtClean="0"/>
-              <a:t>7</a:t>
+              <a:t>6</a:t>
             </a:fld>
             <a:endParaRPr lang="en-US"/>
           </a:p>
@@ -11875,7 +11984,7 @@
 </p:sld>
 </file>
 
-<file path=ppt/slides/slide8.xml><?xml version="1.0" encoding="utf-8"?>
+<file path=ppt/slides/slide7.xml><?xml version="1.0" encoding="utf-8"?>
 <p:sld xmlns:a="http://schemas.openxmlformats.org/drawingml/2006/main" xmlns:r="http://schemas.openxmlformats.org/officeDocument/2006/relationships" xmlns:p="http://schemas.openxmlformats.org/presentationml/2006/main">
   <p:cSld>
     <p:spTree>
@@ -12053,7 +12162,7 @@
           <a:p>
             <a:r>
               <a:rPr lang="en-US" sz="3200" b="1" dirty="0"/>
-              <a:t>NEXT STEPS &amp; IMPROVEMENTS</a:t>
+              <a:t>CONCLUSION</a:t>
             </a:r>
           </a:p>
         </p:txBody>
@@ -12086,7 +12195,7 @@
           <a:p>
             <a:fld id="{A2335344-E137-4E37-AA49-325239A09CBE}" type="slidenum">
               <a:rPr lang="en-US" smtClean="0"/>
-              <a:t>8</a:t>
+              <a:t>7</a:t>
             </a:fld>
             <a:endParaRPr lang="en-US"/>
           </a:p>
@@ -12127,8 +12236,26 @@
               <a:rPr lang="en-US" sz="2800" dirty="0">
                 <a:cs typeface="Calibri"/>
               </a:rPr>
-              <a:t>Higher Granularity and features for user and product personas</a:t>
-            </a:r>
+              <a:t>Ratings are subjective to user preferences</a:t>
+            </a:r>
+          </a:p>
+          <a:p>
+            <a:pPr indent="239395">
+              <a:lnSpc>
+                <a:spcPct val="200000"/>
+              </a:lnSpc>
+              <a:buFontTx/>
+              <a:buChar char="•"/>
+            </a:pPr>
+            <a:r>
+              <a:rPr lang="en-US" sz="2800">
+                <a:cs typeface="Calibri"/>
+              </a:rPr>
+              <a:t>Divergence of genres and themes can be good or bad</a:t>
+            </a:r>
+            <a:endParaRPr lang="en-US" sz="2800" dirty="0">
+              <a:cs typeface="Calibri"/>
+            </a:endParaRPr>
           </a:p>
           <a:p>
             <a:pPr lvl="0" indent="239395">
@@ -12141,7 +12268,347 @@
               <a:rPr lang="en-US" sz="2800" dirty="0">
                 <a:cs typeface="Calibri"/>
               </a:rPr>
-              <a:t>Further Parameter Optimization to bring RMSE down to 0.5</a:t>
+              <a:t>Not enough information available to determine user personas</a:t>
+            </a:r>
+          </a:p>
+          <a:p>
+            <a:pPr lvl="0" indent="239395">
+              <a:lnSpc>
+                <a:spcPct val="200000"/>
+              </a:lnSpc>
+              <a:buChar char="•"/>
+            </a:pPr>
+            <a:r>
+              <a:rPr lang="en-US" sz="2800" dirty="0">
+                <a:cs typeface="Calibri"/>
+              </a:rPr>
+              <a:t>Accuracy range of 1.3 rating points is still high</a:t>
+            </a:r>
+          </a:p>
+          <a:p>
+            <a:pPr lvl="0" indent="239395">
+              <a:lnSpc>
+                <a:spcPct val="200000"/>
+              </a:lnSpc>
+              <a:buChar char="•"/>
+            </a:pPr>
+            <a:r>
+              <a:rPr lang="en-US" sz="2800" dirty="0">
+                <a:cs typeface="Calibri"/>
+              </a:rPr>
+              <a:t>No way to predict how may books a user will keep</a:t>
+            </a:r>
+          </a:p>
+          <a:p>
+            <a:pPr lvl="0" indent="239395">
+              <a:lnSpc>
+                <a:spcPct val="200000"/>
+              </a:lnSpc>
+              <a:buChar char="•"/>
+            </a:pPr>
+            <a:r>
+              <a:rPr lang="en-US" sz="2800" dirty="0">
+                <a:cs typeface="Calibri"/>
+              </a:rPr>
+              <a:t>No solution for a new user with no data</a:t>
+            </a:r>
+          </a:p>
+        </p:txBody>
+      </p:sp>
+    </p:spTree>
+    <p:extLst>
+      <p:ext uri="{BB962C8B-B14F-4D97-AF65-F5344CB8AC3E}">
+        <p14:creationId xmlns:p14="http://schemas.microsoft.com/office/powerpoint/2010/main" val="3452564455"/>
+      </p:ext>
+    </p:extLst>
+  </p:cSld>
+  <p:clrMapOvr>
+    <a:masterClrMapping/>
+  </p:clrMapOvr>
+</p:sld>
+</file>
+
+<file path=ppt/slides/slide8.xml><?xml version="1.0" encoding="utf-8"?>
+<p:sld xmlns:a="http://schemas.openxmlformats.org/drawingml/2006/main" xmlns:r="http://schemas.openxmlformats.org/officeDocument/2006/relationships" xmlns:p="http://schemas.openxmlformats.org/presentationml/2006/main">
+  <p:cSld>
+    <p:spTree>
+      <p:nvGrpSpPr>
+        <p:cNvPr id="1" name=""/>
+        <p:cNvGrpSpPr/>
+        <p:nvPr/>
+      </p:nvGrpSpPr>
+      <p:grpSpPr>
+        <a:xfrm>
+          <a:off x="0" y="0"/>
+          <a:ext cx="0" cy="0"/>
+          <a:chOff x="0" y="0"/>
+          <a:chExt cx="0" cy="0"/>
+        </a:xfrm>
+      </p:grpSpPr>
+      <p:sp>
+        <p:nvSpPr>
+          <p:cNvPr id="4" name="Footer Placeholder 3">
+            <a:extLst>
+              <a:ext uri="{FF2B5EF4-FFF2-40B4-BE49-F238E27FC236}">
+                <a16:creationId xmlns:a16="http://schemas.microsoft.com/office/drawing/2014/main" id="{481BD79E-DB58-407F-87D6-B42E985F0EE1}"/>
+              </a:ext>
+            </a:extLst>
+          </p:cNvPr>
+          <p:cNvSpPr>
+            <a:spLocks noGrp="1"/>
+          </p:cNvSpPr>
+          <p:nvPr>
+            <p:ph type="ftr" sz="quarter" idx="11"/>
+          </p:nvPr>
+        </p:nvSpPr>
+        <p:spPr>
+          <a:xfrm>
+            <a:off x="148053" y="6473796"/>
+            <a:ext cx="4114800" cy="365125"/>
+          </a:xfrm>
+        </p:spPr>
+        <p:txBody>
+          <a:bodyPr/>
+          <a:lstStyle/>
+          <a:p>
+            <a:pPr algn="l"/>
+            <a:r>
+              <a:rPr lang="en-US"/>
+              <a:t>BOOK RECOMMENDATION SYSTEM</a:t>
+            </a:r>
+          </a:p>
+        </p:txBody>
+      </p:sp>
+      <p:grpSp>
+        <p:nvGrpSpPr>
+          <p:cNvPr id="12" name="Group 11">
+            <a:extLst>
+              <a:ext uri="{FF2B5EF4-FFF2-40B4-BE49-F238E27FC236}">
+                <a16:creationId xmlns:a16="http://schemas.microsoft.com/office/drawing/2014/main" id="{12A7430A-D8E2-42E6-B0E8-394BE98F5AEE}"/>
+              </a:ext>
+            </a:extLst>
+          </p:cNvPr>
+          <p:cNvGrpSpPr/>
+          <p:nvPr/>
+        </p:nvGrpSpPr>
+        <p:grpSpPr>
+          <a:xfrm>
+            <a:off x="175529" y="686308"/>
+            <a:ext cx="11845895" cy="5815626"/>
+            <a:chOff x="175529" y="468194"/>
+            <a:chExt cx="11845895" cy="5815626"/>
+          </a:xfrm>
+        </p:grpSpPr>
+        <p:cxnSp>
+          <p:nvCxnSpPr>
+            <p:cNvPr id="7" name="Straight Connector 6">
+              <a:extLst>
+                <a:ext uri="{FF2B5EF4-FFF2-40B4-BE49-F238E27FC236}">
+                  <a16:creationId xmlns:a16="http://schemas.microsoft.com/office/drawing/2014/main" id="{875D4D4E-1164-4C36-A979-52BE3853BA26}"/>
+                </a:ext>
+              </a:extLst>
+            </p:cNvPr>
+            <p:cNvCxnSpPr>
+              <a:cxnSpLocks/>
+            </p:cNvCxnSpPr>
+            <p:nvPr/>
+          </p:nvCxnSpPr>
+          <p:spPr>
+            <a:xfrm>
+              <a:off x="175529" y="6283820"/>
+              <a:ext cx="11828477" cy="0"/>
+            </a:xfrm>
+            <a:prstGeom prst="line">
+              <a:avLst/>
+            </a:prstGeom>
+          </p:spPr>
+          <p:style>
+            <a:lnRef idx="1">
+              <a:schemeClr val="dk1"/>
+            </a:lnRef>
+            <a:fillRef idx="0">
+              <a:schemeClr val="dk1"/>
+            </a:fillRef>
+            <a:effectRef idx="0">
+              <a:schemeClr val="dk1"/>
+            </a:effectRef>
+            <a:fontRef idx="minor">
+              <a:schemeClr val="tx1"/>
+            </a:fontRef>
+          </p:style>
+        </p:cxnSp>
+        <p:cxnSp>
+          <p:nvCxnSpPr>
+            <p:cNvPr id="11" name="Straight Connector 10">
+              <a:extLst>
+                <a:ext uri="{FF2B5EF4-FFF2-40B4-BE49-F238E27FC236}">
+                  <a16:creationId xmlns:a16="http://schemas.microsoft.com/office/drawing/2014/main" id="{9068A5B3-63DA-4658-A3C2-AB3C5E713370}"/>
+                </a:ext>
+              </a:extLst>
+            </p:cNvPr>
+            <p:cNvCxnSpPr>
+              <a:cxnSpLocks/>
+            </p:cNvCxnSpPr>
+            <p:nvPr/>
+          </p:nvCxnSpPr>
+          <p:spPr>
+            <a:xfrm>
+              <a:off x="192947" y="468194"/>
+              <a:ext cx="11828477" cy="0"/>
+            </a:xfrm>
+            <a:prstGeom prst="line">
+              <a:avLst/>
+            </a:prstGeom>
+          </p:spPr>
+          <p:style>
+            <a:lnRef idx="1">
+              <a:schemeClr val="dk1"/>
+            </a:lnRef>
+            <a:fillRef idx="0">
+              <a:schemeClr val="dk1"/>
+            </a:fillRef>
+            <a:effectRef idx="0">
+              <a:schemeClr val="dk1"/>
+            </a:effectRef>
+            <a:fontRef idx="minor">
+              <a:schemeClr val="tx1"/>
+            </a:fontRef>
+          </p:style>
+        </p:cxnSp>
+      </p:grpSp>
+      <p:sp>
+        <p:nvSpPr>
+          <p:cNvPr id="8" name="Title 1">
+            <a:extLst>
+              <a:ext uri="{FF2B5EF4-FFF2-40B4-BE49-F238E27FC236}">
+                <a16:creationId xmlns:a16="http://schemas.microsoft.com/office/drawing/2014/main" id="{81AA59FD-25F1-4B46-82FA-D0959E0AF7FF}"/>
+              </a:ext>
+            </a:extLst>
+          </p:cNvPr>
+          <p:cNvSpPr>
+            <a:spLocks noGrp="1"/>
+          </p:cNvSpPr>
+          <p:nvPr>
+            <p:ph type="title"/>
+          </p:nvPr>
+        </p:nvSpPr>
+        <p:spPr>
+          <a:xfrm>
+            <a:off x="148052" y="76969"/>
+            <a:ext cx="8957447" cy="539847"/>
+          </a:xfrm>
+        </p:spPr>
+        <p:txBody>
+          <a:bodyPr>
+            <a:normAutofit/>
+          </a:bodyPr>
+          <a:lstStyle/>
+          <a:p>
+            <a:r>
+              <a:rPr lang="en-US" sz="3200" b="1" dirty="0"/>
+              <a:t>NEXT STEPS &amp; IMPROVEMENTS</a:t>
+            </a:r>
+          </a:p>
+        </p:txBody>
+      </p:sp>
+      <p:sp>
+        <p:nvSpPr>
+          <p:cNvPr id="3" name="Slide Number Placeholder 2">
+            <a:extLst>
+              <a:ext uri="{FF2B5EF4-FFF2-40B4-BE49-F238E27FC236}">
+                <a16:creationId xmlns:a16="http://schemas.microsoft.com/office/drawing/2014/main" id="{88E8A81B-46D5-4424-81D5-443C1E59DF5A}"/>
+              </a:ext>
+            </a:extLst>
+          </p:cNvPr>
+          <p:cNvSpPr>
+            <a:spLocks noGrp="1"/>
+          </p:cNvSpPr>
+          <p:nvPr>
+            <p:ph type="sldNum" sz="quarter" idx="12"/>
+          </p:nvPr>
+        </p:nvSpPr>
+        <p:spPr>
+          <a:xfrm>
+            <a:off x="8610600" y="6491101"/>
+            <a:ext cx="2743200" cy="365125"/>
+          </a:xfrm>
+        </p:spPr>
+        <p:txBody>
+          <a:bodyPr/>
+          <a:lstStyle/>
+          <a:p>
+            <a:fld id="{A2335344-E137-4E37-AA49-325239A09CBE}" type="slidenum">
+              <a:rPr lang="en-US" smtClean="0"/>
+              <a:t>8</a:t>
+            </a:fld>
+            <a:endParaRPr lang="en-US"/>
+          </a:p>
+        </p:txBody>
+      </p:sp>
+      <p:sp>
+        <p:nvSpPr>
+          <p:cNvPr id="5" name="Rectangle 4">
+            <a:extLst>
+              <a:ext uri="{FF2B5EF4-FFF2-40B4-BE49-F238E27FC236}">
+                <a16:creationId xmlns:a16="http://schemas.microsoft.com/office/drawing/2014/main" id="{B612520D-DB9A-3E92-959F-F491541972C9}"/>
+              </a:ext>
+            </a:extLst>
+          </p:cNvPr>
+          <p:cNvSpPr/>
+          <p:nvPr/>
+        </p:nvSpPr>
+        <p:spPr>
+          <a:xfrm>
+            <a:off x="616017" y="902407"/>
+            <a:ext cx="10972799" cy="5399838"/>
+          </a:xfrm>
+          <a:prstGeom prst="rect">
+            <a:avLst/>
+          </a:prstGeom>
+        </p:spPr>
+        <p:txBody>
+          <a:bodyPr lIns="91440" tIns="45720" rIns="91440" bIns="45720" anchor="t"/>
+          <a:lstStyle/>
+          <a:p>
+            <a:pPr lvl="0" indent="239395">
+              <a:lnSpc>
+                <a:spcPct val="200000"/>
+              </a:lnSpc>
+              <a:buChar char="•"/>
+            </a:pPr>
+            <a:r>
+              <a:rPr lang="en-US" sz="2800" dirty="0">
+                <a:cs typeface="Calibri"/>
+              </a:rPr>
+              <a:t>Higher Granularity and features for user and product personas</a:t>
+            </a:r>
+          </a:p>
+          <a:p>
+            <a:pPr lvl="0" indent="239395">
+              <a:lnSpc>
+                <a:spcPct val="200000"/>
+              </a:lnSpc>
+              <a:buChar char="•"/>
+            </a:pPr>
+            <a:r>
+              <a:rPr lang="en-US" sz="2800" dirty="0">
+                <a:cs typeface="Calibri"/>
+              </a:rPr>
+              <a:t>Have more data for bad ratings</a:t>
+            </a:r>
+          </a:p>
+          <a:p>
+            <a:pPr lvl="0" indent="239395">
+              <a:lnSpc>
+                <a:spcPct val="200000"/>
+              </a:lnSpc>
+              <a:buChar char="•"/>
+            </a:pPr>
+            <a:r>
+              <a:rPr lang="en-US" sz="2800" dirty="0">
+                <a:cs typeface="Calibri"/>
+              </a:rPr>
+              <a:t>Further modelling to bring accuracy close to 0.5 rating points</a:t>
             </a:r>
           </a:p>
           <a:p>
